--- a/INMON VS  KIMBALL.pptx
+++ b/INMON VS  KIMBALL.pptx
@@ -5165,7 +5165,7 @@
           <a:p>
             <a:fld id="{36B428EB-F3A7-4A96-BB1D-43FE156CDB2B}" type="datetimeFigureOut">
               <a:rPr lang="ko-KR" altLang="en-US" smtClean="0"/>
-              <a:t>2019-11-16</a:t>
+              <a:t>2020-07-10</a:t>
             </a:fld>
             <a:endParaRPr lang="ko-KR" altLang="en-US" dirty="0"/>
           </a:p>
@@ -12345,7 +12345,7 @@
                   <a:schemeClr val="bg1"/>
                 </a:solidFill>
               </a:rPr>
-              <a:t>Yaneth Virginia Aquino </a:t>
+              <a:t>Robles Flores </a:t>
             </a:r>
             <a:r>
               <a:rPr lang="es-PE" altLang="ko-KR" sz="1100" b="0" i="1" dirty="0" err="1">
@@ -12353,7 +12353,7 @@
                   <a:schemeClr val="bg1"/>
                 </a:solidFill>
               </a:rPr>
-              <a:t>Huallpa</a:t>
+              <a:t>Anthnoy</a:t>
             </a:r>
             <a:endParaRPr lang="es-PE" altLang="ko-KR" sz="1100" b="0" i="1" dirty="0">
               <a:solidFill>
@@ -12372,23 +12372,7 @@
                   <a:schemeClr val="bg1"/>
                 </a:solidFill>
               </a:rPr>
-              <a:t>David Reynaldo </a:t>
-            </a:r>
-            <a:r>
-              <a:rPr lang="es-PE" altLang="ko-KR" sz="1100" b="0" i="1" dirty="0" err="1">
-                <a:solidFill>
-                  <a:schemeClr val="bg1"/>
-                </a:solidFill>
-              </a:rPr>
-              <a:t>Damian</a:t>
-            </a:r>
-            <a:r>
-              <a:rPr lang="es-PE" altLang="ko-KR" sz="1100" b="0" i="1" dirty="0">
-                <a:solidFill>
-                  <a:schemeClr val="bg1"/>
-                </a:solidFill>
-              </a:rPr>
-              <a:t> Mamani</a:t>
+              <a:t>Estrella Palacios Katherine</a:t>
             </a:r>
           </a:p>
           <a:p>
@@ -12402,31 +12386,29 @@
                   <a:schemeClr val="bg1"/>
                 </a:solidFill>
               </a:rPr>
-              <a:t>Percy </a:t>
+              <a:t>Sosa Bedoya Sharon</a:t>
             </a:r>
-            <a:r>
-              <a:rPr lang="es-PE" altLang="ko-KR" sz="1100" b="0" i="1" dirty="0" err="1">
-                <a:solidFill>
-                  <a:schemeClr val="bg1"/>
-                </a:solidFill>
-              </a:rPr>
-              <a:t>Taquila</a:t>
-            </a:r>
+          </a:p>
+          <a:p>
+            <a:pPr marL="171450" lvl="0" indent="-171450" algn="l">
+              <a:buFontTx/>
+              <a:buChar char="-"/>
+            </a:pPr>
             <a:r>
               <a:rPr lang="es-PE" altLang="ko-KR" sz="1100" b="0" i="1" dirty="0">
                 <a:solidFill>
                   <a:schemeClr val="bg1"/>
                 </a:solidFill>
               </a:rPr>
-              <a:t> </a:t>
+              <a:t>Johana </a:t>
             </a:r>
             <a:r>
-              <a:rPr lang="es-PE" altLang="ko-KR" sz="1100" b="0" i="1" dirty="0" err="1">
+              <a:rPr lang="es-PE" altLang="ko-KR" sz="1100" b="0" i="1">
                 <a:solidFill>
                   <a:schemeClr val="bg1"/>
                 </a:solidFill>
               </a:rPr>
-              <a:t>Carazas</a:t>
+              <a:t>Beltran</a:t>
             </a:r>
             <a:r>
               <a:rPr lang="es-PE" altLang="ko-KR" sz="1100" b="0" i="1" dirty="0">
